--- a/Mean_Shift_Presentation.pptx
+++ b/Mean_Shift_Presentation.pptx
@@ -137,7 +137,7 @@
           <a:p>
             <a:fld id="{A2BE3720-C77A-41F9-8404-C095CABDE748}" type="datetimeFigureOut">
               <a:rPr lang="it-IT" smtClean="0"/>
-              <a:t>05/01/2025</a:t>
+              <a:t>06/01/2025</a:t>
             </a:fld>
             <a:endParaRPr lang="it-IT"/>
           </a:p>
@@ -639,7 +639,7 @@
           <a:p>
             <a:fld id="{1D8BD707-D9CF-40AE-B4C6-C98DA3205C09}" type="datetimeFigureOut">
               <a:rPr lang="en-US"/>
-              <a:t>1/5/2025</a:t>
+              <a:t>1/6/2025</a:t>
             </a:fld>
             <a:endParaRPr lang="en-US"/>
           </a:p>
@@ -816,7 +816,7 @@
           <a:p>
             <a:fld id="{1D8BD707-D9CF-40AE-B4C6-C98DA3205C09}" type="datetimeFigureOut">
               <a:rPr lang="en-US"/>
-              <a:t>1/5/2025</a:t>
+              <a:t>1/6/2025</a:t>
             </a:fld>
             <a:endParaRPr lang="en-US"/>
           </a:p>
@@ -1030,7 +1030,7 @@
           <a:p>
             <a:fld id="{1D8BD707-D9CF-40AE-B4C6-C98DA3205C09}" type="datetimeFigureOut">
               <a:rPr lang="en-US"/>
-              <a:t>1/5/2025</a:t>
+              <a:t>1/6/2025</a:t>
             </a:fld>
             <a:endParaRPr lang="en-US"/>
           </a:p>
@@ -1178,7 +1178,7 @@
           <a:p>
             <a:fld id="{1D8BD707-D9CF-40AE-B4C6-C98DA3205C09}" type="datetimeFigureOut">
               <a:rPr lang="en-US"/>
-              <a:t>1/5/2025</a:t>
+              <a:t>1/6/2025</a:t>
             </a:fld>
             <a:endParaRPr lang="en-US"/>
           </a:p>
@@ -1297,7 +1297,7 @@
           <a:p>
             <a:fld id="{1D8BD707-D9CF-40AE-B4C6-C98DA3205C09}" type="datetimeFigureOut">
               <a:rPr lang="en-US"/>
-              <a:t>1/5/2025</a:t>
+              <a:t>1/6/2025</a:t>
             </a:fld>
             <a:endParaRPr lang="en-US"/>
           </a:p>
@@ -1572,7 +1572,7 @@
           <a:p>
             <a:fld id="{1D8BD707-D9CF-40AE-B4C6-C98DA3205C09}" type="datetimeFigureOut">
               <a:rPr lang="en-US"/>
-              <a:t>1/5/2025</a:t>
+              <a:t>1/6/2025</a:t>
             </a:fld>
             <a:endParaRPr lang="en-US"/>
           </a:p>
@@ -2712,9 +2712,8 @@
                 </a:solidFill>
                 <a:latin typeface="Tahoma"/>
                 <a:cs typeface="Tahoma"/>
-                <a:hlinkClick r:id="rId2" action="ppaction://hlinksldjump"/>
-              </a:rPr>
-              <a:t>K-Means</a:t>
+              </a:rPr>
+              <a:t>Mean Shift</a:t>
             </a:r>
             <a:endParaRPr lang="it-IT" sz="550" dirty="0">
               <a:latin typeface="Tahoma"/>
@@ -2964,7 +2963,7 @@
             <p:nvPr/>
           </p:nvPicPr>
           <p:blipFill>
-            <a:blip r:embed="rId3" cstate="print"/>
+            <a:blip r:embed="rId2" cstate="print"/>
             <a:stretch>
               <a:fillRect/>
             </a:stretch>
@@ -3159,7 +3158,7 @@
             <p:nvPr/>
           </p:nvPicPr>
           <p:blipFill>
-            <a:blip r:embed="rId4" cstate="print"/>
+            <a:blip r:embed="rId3" cstate="print"/>
             <a:stretch>
               <a:fillRect/>
             </a:stretch>
@@ -12520,6 +12519,261 @@
               <a:t>Index</a:t>
             </a:r>
             <a:endParaRPr spc="-55" dirty="0"/>
+          </a:p>
+        </p:txBody>
+      </p:sp>
+      <p:sp>
+        <p:nvSpPr>
+          <p:cNvPr id="10" name="CasellaDiTesto 9">
+            <a:extLst>
+              <a:ext uri="{FF2B5EF4-FFF2-40B4-BE49-F238E27FC236}">
+                <a16:creationId xmlns:a16="http://schemas.microsoft.com/office/drawing/2014/main" id="{A85D4A94-E018-B2E4-53C9-C2CFD3F4A363}"/>
+              </a:ext>
+            </a:extLst>
+          </p:cNvPr>
+          <p:cNvSpPr txBox="1"/>
+          <p:nvPr/>
+        </p:nvSpPr>
+        <p:spPr>
+          <a:xfrm>
+            <a:off x="347294" y="681809"/>
+            <a:ext cx="2133600" cy="2547685"/>
+          </a:xfrm>
+          <a:prstGeom prst="rect">
+            <a:avLst/>
+          </a:prstGeom>
+          <a:noFill/>
+        </p:spPr>
+        <p:txBody>
+          <a:bodyPr wrap="square" rtlCol="0">
+            <a:spAutoFit/>
+          </a:bodyPr>
+          <a:lstStyle/>
+          <a:p>
+            <a:pPr marL="171450" indent="-171450">
+              <a:lnSpc>
+                <a:spcPct val="150000"/>
+              </a:lnSpc>
+              <a:buFont typeface="Wingdings" panose="05000000000000000000" pitchFamily="2" charset="2"/>
+              <a:buChar char="Ø"/>
+            </a:pPr>
+            <a:r>
+              <a:rPr lang="it-IT" sz="1200" dirty="0" err="1">
+                <a:latin typeface="Tahoma" panose="020B0604030504040204" pitchFamily="34" charset="0"/>
+                <a:ea typeface="Tahoma" panose="020B0604030504040204" pitchFamily="34" charset="0"/>
+                <a:cs typeface="Tahoma" panose="020B0604030504040204" pitchFamily="34" charset="0"/>
+              </a:rPr>
+              <a:t>Introduction</a:t>
+            </a:r>
+            <a:endParaRPr lang="it-IT" sz="1200" dirty="0">
+              <a:latin typeface="Tahoma" panose="020B0604030504040204" pitchFamily="34" charset="0"/>
+              <a:ea typeface="Tahoma" panose="020B0604030504040204" pitchFamily="34" charset="0"/>
+              <a:cs typeface="Tahoma" panose="020B0604030504040204" pitchFamily="34" charset="0"/>
+            </a:endParaRPr>
+          </a:p>
+          <a:p>
+            <a:pPr marL="171450" indent="-171450">
+              <a:lnSpc>
+                <a:spcPct val="150000"/>
+              </a:lnSpc>
+              <a:buFont typeface="Wingdings" panose="05000000000000000000" pitchFamily="2" charset="2"/>
+              <a:buChar char="Ø"/>
+            </a:pPr>
+            <a:r>
+              <a:rPr lang="it-IT" sz="1200" dirty="0" err="1">
+                <a:latin typeface="Tahoma" panose="020B0604030504040204" pitchFamily="34" charset="0"/>
+                <a:ea typeface="Tahoma" panose="020B0604030504040204" pitchFamily="34" charset="0"/>
+                <a:cs typeface="Tahoma" panose="020B0604030504040204" pitchFamily="34" charset="0"/>
+              </a:rPr>
+              <a:t>Formal</a:t>
+            </a:r>
+            <a:r>
+              <a:rPr lang="it-IT" sz="1200" dirty="0">
+                <a:latin typeface="Tahoma" panose="020B0604030504040204" pitchFamily="34" charset="0"/>
+                <a:ea typeface="Tahoma" panose="020B0604030504040204" pitchFamily="34" charset="0"/>
+                <a:cs typeface="Tahoma" panose="020B0604030504040204" pitchFamily="34" charset="0"/>
+              </a:rPr>
+              <a:t> Definition</a:t>
+            </a:r>
+          </a:p>
+          <a:p>
+            <a:pPr marL="171450" indent="-171450">
+              <a:lnSpc>
+                <a:spcPct val="150000"/>
+              </a:lnSpc>
+              <a:buFont typeface="Wingdings" panose="05000000000000000000" pitchFamily="2" charset="2"/>
+              <a:buChar char="Ø"/>
+            </a:pPr>
+            <a:r>
+              <a:rPr lang="it-IT" sz="1200" dirty="0" err="1">
+                <a:latin typeface="Tahoma" panose="020B0604030504040204" pitchFamily="34" charset="0"/>
+                <a:ea typeface="Tahoma" panose="020B0604030504040204" pitchFamily="34" charset="0"/>
+                <a:cs typeface="Tahoma" panose="020B0604030504040204" pitchFamily="34" charset="0"/>
+              </a:rPr>
+              <a:t>Proposed</a:t>
+            </a:r>
+            <a:r>
+              <a:rPr lang="it-IT" sz="1200" dirty="0">
+                <a:latin typeface="Tahoma" panose="020B0604030504040204" pitchFamily="34" charset="0"/>
+                <a:ea typeface="Tahoma" panose="020B0604030504040204" pitchFamily="34" charset="0"/>
+                <a:cs typeface="Tahoma" panose="020B0604030504040204" pitchFamily="34" charset="0"/>
+              </a:rPr>
+              <a:t> </a:t>
+            </a:r>
+            <a:r>
+              <a:rPr lang="it-IT" sz="1200" dirty="0" err="1">
+                <a:latin typeface="Tahoma" panose="020B0604030504040204" pitchFamily="34" charset="0"/>
+                <a:ea typeface="Tahoma" panose="020B0604030504040204" pitchFamily="34" charset="0"/>
+                <a:cs typeface="Tahoma" panose="020B0604030504040204" pitchFamily="34" charset="0"/>
+              </a:rPr>
+              <a:t>Approach</a:t>
+            </a:r>
+            <a:endParaRPr lang="it-IT" sz="1200" dirty="0">
+              <a:latin typeface="Tahoma" panose="020B0604030504040204" pitchFamily="34" charset="0"/>
+              <a:ea typeface="Tahoma" panose="020B0604030504040204" pitchFamily="34" charset="0"/>
+              <a:cs typeface="Tahoma" panose="020B0604030504040204" pitchFamily="34" charset="0"/>
+            </a:endParaRPr>
+          </a:p>
+          <a:p>
+            <a:pPr marL="171450" indent="-171450">
+              <a:lnSpc>
+                <a:spcPct val="150000"/>
+              </a:lnSpc>
+              <a:buFont typeface="Wingdings" panose="05000000000000000000" pitchFamily="2" charset="2"/>
+              <a:buChar char="Ø"/>
+            </a:pPr>
+            <a:r>
+              <a:rPr lang="it-IT" sz="1200" dirty="0">
+                <a:latin typeface="Tahoma" panose="020B0604030504040204" pitchFamily="34" charset="0"/>
+                <a:ea typeface="Tahoma" panose="020B0604030504040204" pitchFamily="34" charset="0"/>
+                <a:cs typeface="Tahoma" panose="020B0604030504040204" pitchFamily="34" charset="0"/>
+              </a:rPr>
+              <a:t>Sequential Version</a:t>
+            </a:r>
+          </a:p>
+          <a:p>
+            <a:pPr marL="171450" indent="-171450">
+              <a:lnSpc>
+                <a:spcPct val="150000"/>
+              </a:lnSpc>
+              <a:buFont typeface="Wingdings" panose="05000000000000000000" pitchFamily="2" charset="2"/>
+              <a:buChar char="Ø"/>
+            </a:pPr>
+            <a:r>
+              <a:rPr lang="it-IT" sz="1200" dirty="0" err="1">
+                <a:latin typeface="Tahoma" panose="020B0604030504040204" pitchFamily="34" charset="0"/>
+                <a:ea typeface="Tahoma" panose="020B0604030504040204" pitchFamily="34" charset="0"/>
+                <a:cs typeface="Tahoma" panose="020B0604030504040204" pitchFamily="34" charset="0"/>
+              </a:rPr>
+              <a:t>Parallel</a:t>
+            </a:r>
+            <a:r>
+              <a:rPr lang="it-IT" sz="1200" dirty="0">
+                <a:latin typeface="Tahoma" panose="020B0604030504040204" pitchFamily="34" charset="0"/>
+                <a:ea typeface="Tahoma" panose="020B0604030504040204" pitchFamily="34" charset="0"/>
+                <a:cs typeface="Tahoma" panose="020B0604030504040204" pitchFamily="34" charset="0"/>
+              </a:rPr>
+              <a:t> Version: </a:t>
+            </a:r>
+            <a:r>
+              <a:rPr lang="it-IT" sz="1200" dirty="0" err="1">
+                <a:latin typeface="Tahoma" panose="020B0604030504040204" pitchFamily="34" charset="0"/>
+                <a:ea typeface="Tahoma" panose="020B0604030504040204" pitchFamily="34" charset="0"/>
+                <a:cs typeface="Tahoma" panose="020B0604030504040204" pitchFamily="34" charset="0"/>
+              </a:rPr>
+              <a:t>OpenMP</a:t>
+            </a:r>
+            <a:endParaRPr lang="it-IT" sz="1200" dirty="0">
+              <a:latin typeface="Tahoma" panose="020B0604030504040204" pitchFamily="34" charset="0"/>
+              <a:ea typeface="Tahoma" panose="020B0604030504040204" pitchFamily="34" charset="0"/>
+              <a:cs typeface="Tahoma" panose="020B0604030504040204" pitchFamily="34" charset="0"/>
+            </a:endParaRPr>
+          </a:p>
+          <a:p>
+            <a:pPr marL="171450" indent="-171450">
+              <a:lnSpc>
+                <a:spcPct val="150000"/>
+              </a:lnSpc>
+              <a:buFont typeface="Wingdings" panose="05000000000000000000" pitchFamily="2" charset="2"/>
+              <a:buChar char="Ø"/>
+            </a:pPr>
+            <a:r>
+              <a:rPr lang="it-IT" sz="1200" dirty="0" err="1">
+                <a:latin typeface="Tahoma" panose="020B0604030504040204" pitchFamily="34" charset="0"/>
+                <a:ea typeface="Tahoma" panose="020B0604030504040204" pitchFamily="34" charset="0"/>
+                <a:cs typeface="Tahoma" panose="020B0604030504040204" pitchFamily="34" charset="0"/>
+              </a:rPr>
+              <a:t>Parallel</a:t>
+            </a:r>
+            <a:r>
+              <a:rPr lang="it-IT" sz="1200" dirty="0">
+                <a:latin typeface="Tahoma" panose="020B0604030504040204" pitchFamily="34" charset="0"/>
+                <a:ea typeface="Tahoma" panose="020B0604030504040204" pitchFamily="34" charset="0"/>
+                <a:cs typeface="Tahoma" panose="020B0604030504040204" pitchFamily="34" charset="0"/>
+              </a:rPr>
+              <a:t> Version: CUDA</a:t>
+            </a:r>
+          </a:p>
+          <a:p>
+            <a:pPr marL="171450" indent="-171450">
+              <a:lnSpc>
+                <a:spcPct val="150000"/>
+              </a:lnSpc>
+              <a:buFont typeface="Wingdings" panose="05000000000000000000" pitchFamily="2" charset="2"/>
+              <a:buChar char="Ø"/>
+            </a:pPr>
+            <a:r>
+              <a:rPr lang="it-IT" sz="1200" dirty="0">
+                <a:latin typeface="Tahoma" panose="020B0604030504040204" pitchFamily="34" charset="0"/>
+                <a:ea typeface="Tahoma" panose="020B0604030504040204" pitchFamily="34" charset="0"/>
+                <a:cs typeface="Tahoma" panose="020B0604030504040204" pitchFamily="34" charset="0"/>
+              </a:rPr>
+              <a:t>Experiment</a:t>
+            </a:r>
+          </a:p>
+          <a:p>
+            <a:pPr marL="171450" indent="-171450">
+              <a:lnSpc>
+                <a:spcPct val="150000"/>
+              </a:lnSpc>
+              <a:buFont typeface="Wingdings" panose="05000000000000000000" pitchFamily="2" charset="2"/>
+              <a:buChar char="Ø"/>
+            </a:pPr>
+            <a:r>
+              <a:rPr lang="it-IT" sz="1200" dirty="0" err="1">
+                <a:latin typeface="Tahoma" panose="020B0604030504040204" pitchFamily="34" charset="0"/>
+                <a:ea typeface="Tahoma" panose="020B0604030504040204" pitchFamily="34" charset="0"/>
+                <a:cs typeface="Tahoma" panose="020B0604030504040204" pitchFamily="34" charset="0"/>
+              </a:rPr>
+              <a:t>Results</a:t>
+            </a:r>
+            <a:endParaRPr lang="it-IT" sz="1200" dirty="0">
+              <a:latin typeface="Tahoma" panose="020B0604030504040204" pitchFamily="34" charset="0"/>
+              <a:ea typeface="Tahoma" panose="020B0604030504040204" pitchFamily="34" charset="0"/>
+              <a:cs typeface="Tahoma" panose="020B0604030504040204" pitchFamily="34" charset="0"/>
+            </a:endParaRPr>
+          </a:p>
+          <a:p>
+            <a:pPr marL="171450" indent="-171450">
+              <a:lnSpc>
+                <a:spcPct val="150000"/>
+              </a:lnSpc>
+              <a:buFont typeface="Wingdings" panose="05000000000000000000" pitchFamily="2" charset="2"/>
+              <a:buChar char="Ø"/>
+            </a:pPr>
+            <a:r>
+              <a:rPr lang="it-IT" sz="1200" dirty="0" err="1">
+                <a:latin typeface="Tahoma" panose="020B0604030504040204" pitchFamily="34" charset="0"/>
+                <a:ea typeface="Tahoma" panose="020B0604030504040204" pitchFamily="34" charset="0"/>
+                <a:cs typeface="Tahoma" panose="020B0604030504040204" pitchFamily="34" charset="0"/>
+              </a:rPr>
+              <a:t>Conclusion</a:t>
+            </a:r>
+            <a:endParaRPr lang="it-IT" sz="1200" dirty="0">
+              <a:latin typeface="Tahoma" panose="020B0604030504040204" pitchFamily="34" charset="0"/>
+              <a:ea typeface="Tahoma" panose="020B0604030504040204" pitchFamily="34" charset="0"/>
+              <a:cs typeface="Tahoma" panose="020B0604030504040204" pitchFamily="34" charset="0"/>
+            </a:endParaRPr>
           </a:p>
         </p:txBody>
       </p:sp>
@@ -17294,8 +17548,8 @@
           </p:sp>
         </mc:Fallback>
       </mc:AlternateContent>
-      <mc:AlternateContent xmlns:mc="http://schemas.openxmlformats.org/markup-compatibility/2006" xmlns:a14="http://schemas.microsoft.com/office/drawing/2010/main">
-        <mc:Choice Requires="a14">
+      <mc:AlternateContent xmlns:mc="http://schemas.openxmlformats.org/markup-compatibility/2006">
+        <mc:Choice xmlns:a14="http://schemas.microsoft.com/office/drawing/2010/main" Requires="a14">
           <p:sp>
             <p:nvSpPr>
               <p:cNvPr id="15" name="CasellaDiTesto 14">
@@ -17359,12 +17613,6 @@
                   </a:rPr>
                   <a:t>The Flat (Uniform) Kernel assigns equal weight to all points:</a:t>
                 </a:r>
-                <a:endParaRPr lang="it-IT" sz="900" dirty="0">
-                  <a:effectLst/>
-                  <a:latin typeface="Tahoma" panose="020B0604030504040204" pitchFamily="34" charset="0"/>
-                  <a:ea typeface="Tahoma" panose="020B0604030504040204" pitchFamily="34" charset="0"/>
-                  <a:cs typeface="Tahoma" panose="020B0604030504040204" pitchFamily="34" charset="0"/>
-                </a:endParaRPr>
               </a:p>
               <a:p>
                 <a:pPr algn="just">
@@ -17379,7 +17627,7 @@
                     </m:oMathParaPr>
                     <m:oMath xmlns:m="http://schemas.openxmlformats.org/officeDocument/2006/math">
                       <m:r>
-                        <a:rPr lang="en-US" sz="900" i="1">
+                        <a:rPr lang="en-US" sz="900" i="1" smtClean="0">
                           <a:effectLst/>
                           <a:latin typeface="Cambria Math" panose="02040503050406030204" pitchFamily="18" charset="0"/>
                           <a:ea typeface="Aptos" panose="020B0004020202020204" pitchFamily="34" charset="0"/>
@@ -17396,15 +17644,95 @@
                         </a:rPr>
                         <m:t>(</m:t>
                       </m:r>
+                      <m:sSub>
+                        <m:sSubPr>
+                          <m:ctrlPr>
+                            <a:rPr lang="it-IT" sz="900" b="0" i="0" smtClean="0">
+                              <a:effectLst/>
+                              <a:latin typeface="Cambria Math" panose="02040503050406030204" pitchFamily="18" charset="0"/>
+                              <a:ea typeface="Aptos" panose="020B0004020202020204" pitchFamily="34" charset="0"/>
+                              <a:cs typeface="Times New Roman" panose="02020603050405020304" pitchFamily="18" charset="0"/>
+                            </a:rPr>
+                          </m:ctrlPr>
+                        </m:sSubPr>
+                        <m:e>
+                          <m:r>
+                            <m:rPr>
+                              <m:sty m:val="p"/>
+                            </m:rPr>
+                            <a:rPr lang="it-IT" sz="900" b="0" i="0" smtClean="0">
+                              <a:effectLst/>
+                              <a:latin typeface="Cambria Math" panose="02040503050406030204" pitchFamily="18" charset="0"/>
+                              <a:ea typeface="Aptos" panose="020B0004020202020204" pitchFamily="34" charset="0"/>
+                              <a:cs typeface="Times New Roman" panose="02020603050405020304" pitchFamily="18" charset="0"/>
+                            </a:rPr>
+                            <m:t>x</m:t>
+                          </m:r>
+                        </m:e>
+                        <m:sub>
+                          <m:r>
+                            <m:rPr>
+                              <m:sty m:val="p"/>
+                            </m:rPr>
+                            <a:rPr lang="it-IT" sz="900" b="0" i="0" smtClean="0">
+                              <a:effectLst/>
+                              <a:latin typeface="Cambria Math" panose="02040503050406030204" pitchFamily="18" charset="0"/>
+                              <a:ea typeface="Aptos" panose="020B0004020202020204" pitchFamily="34" charset="0"/>
+                              <a:cs typeface="Times New Roman" panose="02020603050405020304" pitchFamily="18" charset="0"/>
+                            </a:rPr>
+                            <m:t>i</m:t>
+                          </m:r>
+                        </m:sub>
+                      </m:sSub>
                       <m:r>
-                        <a:rPr lang="en-US" sz="900" i="1">
+                        <a:rPr lang="it-IT" sz="900" b="0" i="0" smtClean="0">
                           <a:effectLst/>
                           <a:latin typeface="Cambria Math" panose="02040503050406030204" pitchFamily="18" charset="0"/>
                           <a:ea typeface="Aptos" panose="020B0004020202020204" pitchFamily="34" charset="0"/>
                           <a:cs typeface="Times New Roman" panose="02020603050405020304" pitchFamily="18" charset="0"/>
                         </a:rPr>
-                        <m:t>𝑢</m:t>
+                        <m:t>,</m:t>
                       </m:r>
+                      <m:sSub>
+                        <m:sSubPr>
+                          <m:ctrlPr>
+                            <a:rPr lang="it-IT" sz="900" b="0" i="0" smtClean="0">
+                              <a:effectLst/>
+                              <a:latin typeface="Cambria Math" panose="02040503050406030204" pitchFamily="18" charset="0"/>
+                              <a:ea typeface="Aptos" panose="020B0004020202020204" pitchFamily="34" charset="0"/>
+                              <a:cs typeface="Times New Roman" panose="02020603050405020304" pitchFamily="18" charset="0"/>
+                            </a:rPr>
+                          </m:ctrlPr>
+                        </m:sSubPr>
+                        <m:e>
+                          <m:r>
+                            <m:rPr>
+                              <m:sty m:val="p"/>
+                            </m:rPr>
+                            <a:rPr lang="it-IT" sz="900" b="0" i="0" smtClean="0">
+                              <a:effectLst/>
+                              <a:latin typeface="Cambria Math" panose="02040503050406030204" pitchFamily="18" charset="0"/>
+                              <a:ea typeface="Aptos" panose="020B0004020202020204" pitchFamily="34" charset="0"/>
+                              <a:cs typeface="Times New Roman" panose="02020603050405020304" pitchFamily="18" charset="0"/>
+                            </a:rPr>
+                            <m:t>x</m:t>
+                          </m:r>
+                        </m:e>
+                        <m:sub>
+                          <m:r>
+                            <m:rPr>
+                              <m:sty m:val="p"/>
+                            </m:rPr>
+                            <a:rPr lang="it-IT" sz="900" b="0" i="0" smtClean="0">
+                              <a:effectLst/>
+                              <a:latin typeface="Cambria Math" panose="02040503050406030204" pitchFamily="18" charset="0"/>
+                              <a:ea typeface="Aptos" panose="020B0004020202020204" pitchFamily="34" charset="0"/>
+                              <a:cs typeface="Times New Roman" panose="02020603050405020304" pitchFamily="18" charset="0"/>
+                            </a:rPr>
+                            <m:t>j</m:t>
+                          </m:r>
+                        </m:sub>
+                      </m:sSub>
                       <m:r>
                         <a:rPr lang="en-US" sz="900">
                           <a:effectLst/>
@@ -17486,34 +17814,124 @@
                                   <m:t>if</m:t>
                                 </m:r>
                                 <m:r>
-                                  <m:rPr>
-                                    <m:nor/>
-                                  </m:rPr>
-                                  <a:rPr lang="en-US" sz="900" i="1">
+                                  <a:rPr lang="it-IT" sz="900" b="0" i="1" smtClean="0">
                                     <a:effectLst/>
-                                    <a:latin typeface="Tahoma" panose="020B0604030504040204" pitchFamily="34" charset="0"/>
+                                    <a:latin typeface="Cambria Math" panose="02040503050406030204" pitchFamily="18" charset="0"/>
                                     <a:ea typeface="Tahoma" panose="020B0604030504040204" pitchFamily="34" charset="0"/>
                                     <a:cs typeface="Tahoma" panose="020B0604030504040204" pitchFamily="34" charset="0"/>
                                   </a:rPr>
                                   <m:t> </m:t>
                                 </m:r>
+                                <m:d>
+                                  <m:dPr>
+                                    <m:begChr m:val="∥"/>
+                                    <m:endChr m:val="∥"/>
+                                    <m:ctrlPr>
+                                      <a:rPr lang="it-IT" sz="900" i="1" smtClean="0">
+                                        <a:effectLst/>
+                                        <a:latin typeface="Cambria Math" panose="02040503050406030204" pitchFamily="18" charset="0"/>
+                                        <a:ea typeface="Aptos" panose="020B0004020202020204" pitchFamily="34" charset="0"/>
+                                        <a:cs typeface="Times New Roman" panose="02020603050405020304" pitchFamily="18" charset="0"/>
+                                      </a:rPr>
+                                    </m:ctrlPr>
+                                  </m:dPr>
+                                  <m:e>
+                                    <m:sSub>
+                                      <m:sSubPr>
+                                        <m:ctrlPr>
+                                          <a:rPr lang="it-IT" sz="900" b="0" i="1" smtClean="0">
+                                            <a:effectLst/>
+                                            <a:latin typeface="Cambria Math" panose="02040503050406030204" pitchFamily="18" charset="0"/>
+                                            <a:ea typeface="Aptos" panose="020B0004020202020204" pitchFamily="34" charset="0"/>
+                                            <a:cs typeface="Times New Roman" panose="02020603050405020304" pitchFamily="18" charset="0"/>
+                                          </a:rPr>
+                                        </m:ctrlPr>
+                                      </m:sSubPr>
+                                      <m:e>
+                                        <m:r>
+                                          <a:rPr lang="it-IT" sz="900" i="1" smtClean="0">
+                                            <a:effectLst/>
+                                            <a:latin typeface="Cambria Math" panose="02040503050406030204" pitchFamily="18" charset="0"/>
+                                            <a:ea typeface="Aptos" panose="020B0004020202020204" pitchFamily="34" charset="0"/>
+                                            <a:cs typeface="Times New Roman" panose="02020603050405020304" pitchFamily="18" charset="0"/>
+                                          </a:rPr>
+                                          <m:t>𝑥</m:t>
+                                        </m:r>
+                                      </m:e>
+                                      <m:sub>
+                                        <m:r>
+                                          <a:rPr lang="it-IT" sz="900" b="0" i="1" smtClean="0">
+                                            <a:effectLst/>
+                                            <a:latin typeface="Cambria Math" panose="02040503050406030204" pitchFamily="18" charset="0"/>
+                                            <a:ea typeface="Aptos" panose="020B0004020202020204" pitchFamily="34" charset="0"/>
+                                            <a:cs typeface="Times New Roman" panose="02020603050405020304" pitchFamily="18" charset="0"/>
+                                          </a:rPr>
+                                          <m:t>𝑗</m:t>
+                                        </m:r>
+                                      </m:sub>
+                                    </m:sSub>
+                                    <m:r>
+                                      <a:rPr lang="en-US" sz="900" i="1">
+                                        <a:effectLst/>
+                                        <a:latin typeface="Cambria Math" panose="02040503050406030204" pitchFamily="18" charset="0"/>
+                                        <a:ea typeface="Aptos" panose="020B0004020202020204" pitchFamily="34" charset="0"/>
+                                        <a:cs typeface="Times New Roman" panose="02020603050405020304" pitchFamily="18" charset="0"/>
+                                      </a:rPr>
+                                      <m:t>−</m:t>
+                                    </m:r>
+                                    <m:sSub>
+                                      <m:sSubPr>
+                                        <m:ctrlPr>
+                                          <a:rPr lang="it-IT" sz="900" b="0" i="1" smtClean="0">
+                                            <a:effectLst/>
+                                            <a:latin typeface="Cambria Math" panose="02040503050406030204" pitchFamily="18" charset="0"/>
+                                            <a:ea typeface="Aptos" panose="020B0004020202020204" pitchFamily="34" charset="0"/>
+                                            <a:cs typeface="Times New Roman" panose="02020603050405020304" pitchFamily="18" charset="0"/>
+                                          </a:rPr>
+                                        </m:ctrlPr>
+                                      </m:sSubPr>
+                                      <m:e>
+                                        <m:r>
+                                          <a:rPr lang="it-IT" sz="900" i="1" smtClean="0">
+                                            <a:effectLst/>
+                                            <a:latin typeface="Cambria Math" panose="02040503050406030204" pitchFamily="18" charset="0"/>
+                                            <a:ea typeface="Aptos" panose="020B0004020202020204" pitchFamily="34" charset="0"/>
+                                            <a:cs typeface="Times New Roman" panose="02020603050405020304" pitchFamily="18" charset="0"/>
+                                          </a:rPr>
+                                          <m:t>𝑥</m:t>
+                                        </m:r>
+                                      </m:e>
+                                      <m:sub>
+                                        <m:r>
+                                          <a:rPr lang="it-IT" sz="900" b="0" i="1" smtClean="0">
+                                            <a:effectLst/>
+                                            <a:latin typeface="Cambria Math" panose="02040503050406030204" pitchFamily="18" charset="0"/>
+                                            <a:ea typeface="Aptos" panose="020B0004020202020204" pitchFamily="34" charset="0"/>
+                                            <a:cs typeface="Times New Roman" panose="02020603050405020304" pitchFamily="18" charset="0"/>
+                                          </a:rPr>
+                                          <m:t>𝑖</m:t>
+                                        </m:r>
+                                      </m:sub>
+                                    </m:sSub>
+                                  </m:e>
+                                </m:d>
                                 <m:r>
-                                  <a:rPr lang="en-US" sz="900" i="1">
+                                  <a:rPr lang="it-IT" sz="900" b="0" i="1" smtClean="0">
                                     <a:effectLst/>
                                     <a:latin typeface="Cambria Math" panose="02040503050406030204" pitchFamily="18" charset="0"/>
                                     <a:ea typeface="Aptos" panose="020B0004020202020204" pitchFamily="34" charset="0"/>
                                     <a:cs typeface="Times New Roman" panose="02020603050405020304" pitchFamily="18" charset="0"/>
                                   </a:rPr>
-                                  <m:t>𝑢</m:t>
+                                  <m:t>≤</m:t>
                                 </m:r>
                                 <m:r>
-                                  <a:rPr lang="en-US" sz="900">
+                                  <a:rPr lang="it-IT" sz="900" b="0" i="1" smtClean="0">
                                     <a:effectLst/>
                                     <a:latin typeface="Cambria Math" panose="02040503050406030204" pitchFamily="18" charset="0"/>
                                     <a:ea typeface="Aptos" panose="020B0004020202020204" pitchFamily="34" charset="0"/>
                                     <a:cs typeface="Times New Roman" panose="02020603050405020304" pitchFamily="18" charset="0"/>
                                   </a:rPr>
-                                  <m:t>&lt;1</m:t>
+                                  <m:t>h</m:t>
                                 </m:r>
                               </m:e>
                             </m:mr>
@@ -17584,7 +18002,7 @@
             </p:txBody>
           </p:sp>
         </mc:Choice>
-        <mc:Fallback xmlns="">
+        <mc:Fallback>
           <p:sp>
             <p:nvSpPr>
               <p:cNvPr id="15" name="CasellaDiTesto 14">
@@ -17629,8 +18047,8 @@
           </p:sp>
         </mc:Fallback>
       </mc:AlternateContent>
-      <mc:AlternateContent xmlns:mc="http://schemas.openxmlformats.org/markup-compatibility/2006" xmlns:a14="http://schemas.microsoft.com/office/drawing/2010/main">
-        <mc:Choice Requires="a14">
+      <mc:AlternateContent xmlns:mc="http://schemas.openxmlformats.org/markup-compatibility/2006">
+        <mc:Choice xmlns:a14="http://schemas.microsoft.com/office/drawing/2010/main" Requires="a14">
           <p:sp>
             <p:nvSpPr>
               <p:cNvPr id="16" name="CasellaDiTesto 15">
@@ -17646,7 +18064,7 @@
             <p:spPr>
               <a:xfrm>
                 <a:off x="2391559" y="2155427"/>
-                <a:ext cx="2062938" cy="1253613"/>
+                <a:ext cx="2062938" cy="1179425"/>
               </a:xfrm>
               <a:prstGeom prst="rect">
                 <a:avLst/>
@@ -17679,9 +18097,6 @@
               </a:p>
               <a:p>
                 <a:pPr algn="just">
-                  <a:lnSpc>
-                    <a:spcPts val="1200"/>
-                  </a:lnSpc>
                   <a:spcAft>
                     <a:spcPts val="600"/>
                   </a:spcAft>
@@ -17695,18 +18110,9 @@
                   </a:rPr>
                   <a:t>The Gaussian Kernel gives higher weights to closer points:</a:t>
                 </a:r>
-                <a:endParaRPr lang="it-IT" sz="900" dirty="0">
-                  <a:effectLst/>
-                  <a:latin typeface="Tahoma" panose="020B0604030504040204" pitchFamily="34" charset="0"/>
-                  <a:ea typeface="Tahoma" panose="020B0604030504040204" pitchFamily="34" charset="0"/>
-                  <a:cs typeface="Tahoma" panose="020B0604030504040204" pitchFamily="34" charset="0"/>
-                </a:endParaRPr>
               </a:p>
               <a:p>
                 <a:pPr algn="just">
-                  <a:lnSpc>
-                    <a:spcPct val="150000"/>
-                  </a:lnSpc>
                   <a:spcAft>
                     <a:spcPts val="600"/>
                   </a:spcAft>
@@ -17718,7 +18124,7 @@
                     </m:oMathParaPr>
                     <m:oMath xmlns:m="http://schemas.openxmlformats.org/officeDocument/2006/math">
                       <m:r>
-                        <a:rPr lang="en-US" sz="900" i="1">
+                        <a:rPr lang="en-US" sz="900" i="1" smtClean="0">
                           <a:effectLst/>
                           <a:latin typeface="Cambria Math" panose="02040503050406030204" pitchFamily="18" charset="0"/>
                           <a:ea typeface="Aptos" panose="020B0004020202020204" pitchFamily="34" charset="0"/>
@@ -17735,15 +18141,95 @@
                         </a:rPr>
                         <m:t>(</m:t>
                       </m:r>
+                      <m:sSub>
+                        <m:sSubPr>
+                          <m:ctrlPr>
+                            <a:rPr lang="it-IT" sz="900" b="0" i="1" smtClean="0">
+                              <a:effectLst/>
+                              <a:latin typeface="Cambria Math" panose="02040503050406030204" pitchFamily="18" charset="0"/>
+                              <a:ea typeface="Aptos" panose="020B0004020202020204" pitchFamily="34" charset="0"/>
+                              <a:cs typeface="Times New Roman" panose="02020603050405020304" pitchFamily="18" charset="0"/>
+                            </a:rPr>
+                          </m:ctrlPr>
+                        </m:sSubPr>
+                        <m:e>
+                          <m:r>
+                            <m:rPr>
+                              <m:sty m:val="p"/>
+                            </m:rPr>
+                            <a:rPr lang="it-IT" sz="900" b="0" i="0" smtClean="0">
+                              <a:effectLst/>
+                              <a:latin typeface="Cambria Math" panose="02040503050406030204" pitchFamily="18" charset="0"/>
+                              <a:ea typeface="Aptos" panose="020B0004020202020204" pitchFamily="34" charset="0"/>
+                              <a:cs typeface="Times New Roman" panose="02020603050405020304" pitchFamily="18" charset="0"/>
+                            </a:rPr>
+                            <m:t>x</m:t>
+                          </m:r>
+                        </m:e>
+                        <m:sub>
+                          <m:r>
+                            <m:rPr>
+                              <m:sty m:val="p"/>
+                            </m:rPr>
+                            <a:rPr lang="it-IT" sz="900" b="0" i="0" smtClean="0">
+                              <a:effectLst/>
+                              <a:latin typeface="Cambria Math" panose="02040503050406030204" pitchFamily="18" charset="0"/>
+                              <a:ea typeface="Aptos" panose="020B0004020202020204" pitchFamily="34" charset="0"/>
+                              <a:cs typeface="Times New Roman" panose="02020603050405020304" pitchFamily="18" charset="0"/>
+                            </a:rPr>
+                            <m:t>i</m:t>
+                          </m:r>
+                        </m:sub>
+                      </m:sSub>
                       <m:r>
-                        <a:rPr lang="en-US" sz="900" i="1">
+                        <a:rPr lang="it-IT" sz="900" b="0" i="0" smtClean="0">
                           <a:effectLst/>
                           <a:latin typeface="Cambria Math" panose="02040503050406030204" pitchFamily="18" charset="0"/>
                           <a:ea typeface="Aptos" panose="020B0004020202020204" pitchFamily="34" charset="0"/>
                           <a:cs typeface="Times New Roman" panose="02020603050405020304" pitchFamily="18" charset="0"/>
                         </a:rPr>
-                        <m:t>𝑢</m:t>
+                        <m:t>,</m:t>
                       </m:r>
+                      <m:sSub>
+                        <m:sSubPr>
+                          <m:ctrlPr>
+                            <a:rPr lang="it-IT" sz="900" b="0" i="1" smtClean="0">
+                              <a:effectLst/>
+                              <a:latin typeface="Cambria Math" panose="02040503050406030204" pitchFamily="18" charset="0"/>
+                              <a:ea typeface="Aptos" panose="020B0004020202020204" pitchFamily="34" charset="0"/>
+                              <a:cs typeface="Times New Roman" panose="02020603050405020304" pitchFamily="18" charset="0"/>
+                            </a:rPr>
+                          </m:ctrlPr>
+                        </m:sSubPr>
+                        <m:e>
+                          <m:r>
+                            <m:rPr>
+                              <m:sty m:val="p"/>
+                            </m:rPr>
+                            <a:rPr lang="it-IT" sz="900" b="0" i="0" smtClean="0">
+                              <a:effectLst/>
+                              <a:latin typeface="Cambria Math" panose="02040503050406030204" pitchFamily="18" charset="0"/>
+                              <a:ea typeface="Aptos" panose="020B0004020202020204" pitchFamily="34" charset="0"/>
+                              <a:cs typeface="Times New Roman" panose="02020603050405020304" pitchFamily="18" charset="0"/>
+                            </a:rPr>
+                            <m:t>x</m:t>
+                          </m:r>
+                        </m:e>
+                        <m:sub>
+                          <m:r>
+                            <m:rPr>
+                              <m:sty m:val="p"/>
+                            </m:rPr>
+                            <a:rPr lang="it-IT" sz="900" b="0" i="0" smtClean="0">
+                              <a:effectLst/>
+                              <a:latin typeface="Cambria Math" panose="02040503050406030204" pitchFamily="18" charset="0"/>
+                              <a:ea typeface="Aptos" panose="020B0004020202020204" pitchFamily="34" charset="0"/>
+                              <a:cs typeface="Times New Roman" panose="02020603050405020304" pitchFamily="18" charset="0"/>
+                            </a:rPr>
+                            <m:t>j</m:t>
+                          </m:r>
+                        </m:sub>
+                      </m:sSub>
                       <m:r>
                         <a:rPr lang="en-US" sz="900">
                           <a:effectLst/>
@@ -17785,43 +18271,152 @@
                             </a:rPr>
                             <m:t>−</m:t>
                           </m:r>
-                          <m:f>
-                            <m:fPr>
+                          <m:d>
+                            <m:dPr>
                               <m:ctrlPr>
-                                <a:rPr lang="it-IT" sz="900" i="1">
+                                <a:rPr lang="it-IT" sz="900" b="0" i="1" smtClean="0">
                                   <a:effectLst/>
                                   <a:latin typeface="Cambria Math" panose="02040503050406030204" pitchFamily="18" charset="0"/>
                                   <a:ea typeface="Aptos" panose="020B0004020202020204" pitchFamily="34" charset="0"/>
                                   <a:cs typeface="Times New Roman" panose="02020603050405020304" pitchFamily="18" charset="0"/>
                                 </a:rPr>
                               </m:ctrlPr>
-                            </m:fPr>
-                            <m:num>
-                              <m:sSup>
-                                <m:sSupPr>
+                            </m:dPr>
+                            <m:e>
+                              <m:f>
+                                <m:fPr>
                                   <m:ctrlPr>
-                                    <a:rPr lang="it-IT" sz="900" i="1">
+                                    <a:rPr lang="it-IT" sz="900" b="0" i="1" smtClean="0">
                                       <a:effectLst/>
                                       <a:latin typeface="Cambria Math" panose="02040503050406030204" pitchFamily="18" charset="0"/>
                                       <a:ea typeface="Aptos" panose="020B0004020202020204" pitchFamily="34" charset="0"/>
                                       <a:cs typeface="Times New Roman" panose="02020603050405020304" pitchFamily="18" charset="0"/>
                                     </a:rPr>
                                   </m:ctrlPr>
-                                </m:sSupPr>
-                                <m:e>
+                                </m:fPr>
+                                <m:num>
+                                  <m:sSup>
+                                    <m:sSupPr>
+                                      <m:ctrlPr>
+                                        <a:rPr lang="it-IT" sz="900" b="0" i="1" smtClean="0">
+                                          <a:effectLst/>
+                                          <a:latin typeface="Cambria Math" panose="02040503050406030204" pitchFamily="18" charset="0"/>
+                                          <a:ea typeface="Aptos" panose="020B0004020202020204" pitchFamily="34" charset="0"/>
+                                          <a:cs typeface="Times New Roman" panose="02020603050405020304" pitchFamily="18" charset="0"/>
+                                        </a:rPr>
+                                      </m:ctrlPr>
+                                    </m:sSupPr>
+                                    <m:e>
+                                      <m:d>
+                                        <m:dPr>
+                                          <m:begChr m:val="∥"/>
+                                          <m:endChr m:val="∥"/>
+                                          <m:ctrlPr>
+                                            <a:rPr lang="it-IT" sz="900" i="1" smtClean="0">
+                                              <a:effectLst/>
+                                              <a:latin typeface="Cambria Math" panose="02040503050406030204" pitchFamily="18" charset="0"/>
+                                              <a:ea typeface="Aptos" panose="020B0004020202020204" pitchFamily="34" charset="0"/>
+                                              <a:cs typeface="Times New Roman" panose="02020603050405020304" pitchFamily="18" charset="0"/>
+                                            </a:rPr>
+                                          </m:ctrlPr>
+                                        </m:dPr>
+                                        <m:e>
+                                          <m:sSub>
+                                            <m:sSubPr>
+                                              <m:ctrlPr>
+                                                <a:rPr lang="it-IT" sz="900" b="0" i="1" smtClean="0">
+                                                  <a:effectLst/>
+                                                  <a:latin typeface="Cambria Math" panose="02040503050406030204" pitchFamily="18" charset="0"/>
+                                                  <a:ea typeface="Aptos" panose="020B0004020202020204" pitchFamily="34" charset="0"/>
+                                                  <a:cs typeface="Times New Roman" panose="02020603050405020304" pitchFamily="18" charset="0"/>
+                                                </a:rPr>
+                                              </m:ctrlPr>
+                                            </m:sSubPr>
+                                            <m:e>
+                                              <m:r>
+                                                <a:rPr lang="it-IT" sz="900" i="1" smtClean="0">
+                                                  <a:effectLst/>
+                                                  <a:latin typeface="Cambria Math" panose="02040503050406030204" pitchFamily="18" charset="0"/>
+                                                  <a:ea typeface="Aptos" panose="020B0004020202020204" pitchFamily="34" charset="0"/>
+                                                  <a:cs typeface="Times New Roman" panose="02020603050405020304" pitchFamily="18" charset="0"/>
+                                                </a:rPr>
+                                                <m:t>𝑥</m:t>
+                                              </m:r>
+                                            </m:e>
+                                            <m:sub>
+                                              <m:r>
+                                                <a:rPr lang="it-IT" sz="900" b="0" i="1" smtClean="0">
+                                                  <a:effectLst/>
+                                                  <a:latin typeface="Cambria Math" panose="02040503050406030204" pitchFamily="18" charset="0"/>
+                                                  <a:ea typeface="Aptos" panose="020B0004020202020204" pitchFamily="34" charset="0"/>
+                                                  <a:cs typeface="Times New Roman" panose="02020603050405020304" pitchFamily="18" charset="0"/>
+                                                </a:rPr>
+                                                <m:t>𝑗</m:t>
+                                              </m:r>
+                                            </m:sub>
+                                          </m:sSub>
+                                          <m:r>
+                                            <a:rPr lang="en-US" sz="900" i="1">
+                                              <a:effectLst/>
+                                              <a:latin typeface="Cambria Math" panose="02040503050406030204" pitchFamily="18" charset="0"/>
+                                              <a:ea typeface="Aptos" panose="020B0004020202020204" pitchFamily="34" charset="0"/>
+                                              <a:cs typeface="Times New Roman" panose="02020603050405020304" pitchFamily="18" charset="0"/>
+                                            </a:rPr>
+                                            <m:t>−</m:t>
+                                          </m:r>
+                                          <m:sSub>
+                                            <m:sSubPr>
+                                              <m:ctrlPr>
+                                                <a:rPr lang="it-IT" sz="900" b="0" i="1" smtClean="0">
+                                                  <a:effectLst/>
+                                                  <a:latin typeface="Cambria Math" panose="02040503050406030204" pitchFamily="18" charset="0"/>
+                                                  <a:ea typeface="Aptos" panose="020B0004020202020204" pitchFamily="34" charset="0"/>
+                                                  <a:cs typeface="Times New Roman" panose="02020603050405020304" pitchFamily="18" charset="0"/>
+                                                </a:rPr>
+                                              </m:ctrlPr>
+                                            </m:sSubPr>
+                                            <m:e>
+                                              <m:r>
+                                                <a:rPr lang="it-IT" sz="900" i="1" smtClean="0">
+                                                  <a:effectLst/>
+                                                  <a:latin typeface="Cambria Math" panose="02040503050406030204" pitchFamily="18" charset="0"/>
+                                                  <a:ea typeface="Aptos" panose="020B0004020202020204" pitchFamily="34" charset="0"/>
+                                                  <a:cs typeface="Times New Roman" panose="02020603050405020304" pitchFamily="18" charset="0"/>
+                                                </a:rPr>
+                                                <m:t>𝑥</m:t>
+                                              </m:r>
+                                            </m:e>
+                                            <m:sub>
+                                              <m:r>
+                                                <a:rPr lang="it-IT" sz="900" b="0" i="1" smtClean="0">
+                                                  <a:effectLst/>
+                                                  <a:latin typeface="Cambria Math" panose="02040503050406030204" pitchFamily="18" charset="0"/>
+                                                  <a:ea typeface="Aptos" panose="020B0004020202020204" pitchFamily="34" charset="0"/>
+                                                  <a:cs typeface="Times New Roman" panose="02020603050405020304" pitchFamily="18" charset="0"/>
+                                                </a:rPr>
+                                                <m:t>𝑖</m:t>
+                                              </m:r>
+                                            </m:sub>
+                                          </m:sSub>
+                                        </m:e>
+                                      </m:d>
+                                    </m:e>
+                                    <m:sup>
+                                      <m:r>
+                                        <a:rPr lang="it-IT" sz="900" b="0" i="1" smtClean="0">
+                                          <a:effectLst/>
+                                          <a:latin typeface="Cambria Math" panose="02040503050406030204" pitchFamily="18" charset="0"/>
+                                          <a:ea typeface="Aptos" panose="020B0004020202020204" pitchFamily="34" charset="0"/>
+                                          <a:cs typeface="Times New Roman" panose="02020603050405020304" pitchFamily="18" charset="0"/>
+                                        </a:rPr>
+                                        <m:t>2</m:t>
+                                      </m:r>
+                                    </m:sup>
+                                  </m:sSup>
+                                </m:num>
+                                <m:den>
                                   <m:r>
-                                    <a:rPr lang="en-US" sz="900" i="1">
-                                      <a:effectLst/>
-                                      <a:latin typeface="Cambria Math" panose="02040503050406030204" pitchFamily="18" charset="0"/>
-                                      <a:ea typeface="Aptos" panose="020B0004020202020204" pitchFamily="34" charset="0"/>
-                                      <a:cs typeface="Times New Roman" panose="02020603050405020304" pitchFamily="18" charset="0"/>
-                                    </a:rPr>
-                                    <m:t>𝑢</m:t>
-                                  </m:r>
-                                </m:e>
-                                <m:sup>
-                                  <m:r>
-                                    <a:rPr lang="en-US" sz="900">
+                                    <a:rPr lang="it-IT" sz="900" b="0" i="1" smtClean="0">
                                       <a:effectLst/>
                                       <a:latin typeface="Cambria Math" panose="02040503050406030204" pitchFamily="18" charset="0"/>
                                       <a:ea typeface="Aptos" panose="020B0004020202020204" pitchFamily="34" charset="0"/>
@@ -17829,21 +18424,44 @@
                                     </a:rPr>
                                     <m:t>2</m:t>
                                   </m:r>
-                                </m:sup>
-                              </m:sSup>
-                            </m:num>
-                            <m:den>
-                              <m:r>
-                                <a:rPr lang="en-US" sz="900">
-                                  <a:effectLst/>
-                                  <a:latin typeface="Cambria Math" panose="02040503050406030204" pitchFamily="18" charset="0"/>
-                                  <a:ea typeface="Aptos" panose="020B0004020202020204" pitchFamily="34" charset="0"/>
-                                  <a:cs typeface="Times New Roman" panose="02020603050405020304" pitchFamily="18" charset="0"/>
-                                </a:rPr>
-                                <m:t>2</m:t>
-                              </m:r>
-                            </m:den>
-                          </m:f>
+                                  <m:sSup>
+                                    <m:sSupPr>
+                                      <m:ctrlPr>
+                                        <a:rPr lang="it-IT" sz="900" b="0" i="1" smtClean="0">
+                                          <a:effectLst/>
+                                          <a:latin typeface="Cambria Math" panose="02040503050406030204" pitchFamily="18" charset="0"/>
+                                          <a:ea typeface="Aptos" panose="020B0004020202020204" pitchFamily="34" charset="0"/>
+                                          <a:cs typeface="Times New Roman" panose="02020603050405020304" pitchFamily="18" charset="0"/>
+                                        </a:rPr>
+                                      </m:ctrlPr>
+                                    </m:sSupPr>
+                                    <m:e>
+                                      <m:r>
+                                        <a:rPr lang="it-IT" sz="900" b="0" i="1" smtClean="0">
+                                          <a:effectLst/>
+                                          <a:latin typeface="Cambria Math" panose="02040503050406030204" pitchFamily="18" charset="0"/>
+                                          <a:ea typeface="Aptos" panose="020B0004020202020204" pitchFamily="34" charset="0"/>
+                                          <a:cs typeface="Times New Roman" panose="02020603050405020304" pitchFamily="18" charset="0"/>
+                                        </a:rPr>
+                                        <m:t>h</m:t>
+                                      </m:r>
+                                    </m:e>
+                                    <m:sup>
+                                      <m:r>
+                                        <a:rPr lang="it-IT" sz="900" b="0" i="1" smtClean="0">
+                                          <a:effectLst/>
+                                          <a:latin typeface="Cambria Math" panose="02040503050406030204" pitchFamily="18" charset="0"/>
+                                          <a:ea typeface="Aptos" panose="020B0004020202020204" pitchFamily="34" charset="0"/>
+                                          <a:cs typeface="Times New Roman" panose="02020603050405020304" pitchFamily="18" charset="0"/>
+                                        </a:rPr>
+                                        <m:t>2</m:t>
+                                      </m:r>
+                                    </m:sup>
+                                  </m:sSup>
+                                </m:den>
+                              </m:f>
+                            </m:e>
+                          </m:d>
                         </m:sup>
                       </m:sSup>
                     </m:oMath>
@@ -17866,7 +18484,7 @@
             </p:txBody>
           </p:sp>
         </mc:Choice>
-        <mc:Fallback xmlns="">
+        <mc:Fallback>
           <p:sp>
             <p:nvSpPr>
               <p:cNvPr id="16" name="CasellaDiTesto 15">
@@ -17884,7 +18502,7 @@
             <p:spPr>
               <a:xfrm>
                 <a:off x="2391559" y="2155427"/>
-                <a:ext cx="2062938" cy="1253613"/>
+                <a:ext cx="2062938" cy="1179425"/>
               </a:xfrm>
               <a:prstGeom prst="rect">
                 <a:avLst/>
@@ -19535,7 +20153,7 @@
         <p:spPr>
           <a:xfrm>
             <a:off x="247649" y="699243"/>
-            <a:ext cx="4206847" cy="369332"/>
+            <a:ext cx="4191001" cy="369332"/>
           </a:xfrm>
           <a:prstGeom prst="rect">
             <a:avLst/>
@@ -19789,9 +20407,8 @@
                 </a:solidFill>
                 <a:latin typeface="Tahoma"/>
                 <a:cs typeface="Tahoma"/>
-                <a:hlinkClick r:id="rId2" action="ppaction://hlinksldjump"/>
-              </a:rPr>
-              <a:t>K-Means</a:t>
+              </a:rPr>
+              <a:t>Mean Shift</a:t>
             </a:r>
             <a:endParaRPr lang="it-IT" sz="550" dirty="0">
               <a:latin typeface="Tahoma"/>
@@ -20041,7 +20658,7 @@
             <p:nvPr/>
           </p:nvPicPr>
           <p:blipFill>
-            <a:blip r:embed="rId3" cstate="print"/>
+            <a:blip r:embed="rId2" cstate="print"/>
             <a:stretch>
               <a:fillRect/>
             </a:stretch>
@@ -20212,7 +20829,7 @@
             <p:nvPr/>
           </p:nvPicPr>
           <p:blipFill>
-            <a:blip r:embed="rId4" cstate="print"/>
+            <a:blip r:embed="rId3" cstate="print"/>
             <a:stretch>
               <a:fillRect/>
             </a:stretch>
@@ -20339,8 +20956,8 @@
         </p:nvSpPr>
         <p:spPr bwMode="auto">
           <a:xfrm>
-            <a:off x="171450" y="721283"/>
-            <a:ext cx="4317581" cy="369332"/>
+            <a:off x="247649" y="652034"/>
+            <a:ext cx="4114801" cy="507831"/>
           </a:xfrm>
           <a:prstGeom prst="rect">
             <a:avLst/>
@@ -20476,7 +21093,7 @@
               </a:rPr>
               <a:t> for thread-safe data updates.</a:t>
             </a:r>
-            <a:endParaRPr kumimoji="0" lang="it-IT" altLang="it-IT" sz="850" b="0" i="0" u="none" strike="noStrike" cap="none" normalizeH="0" baseline="0" dirty="0">
+            <a:endParaRPr kumimoji="0" lang="it-IT" altLang="it-IT" sz="900" b="0" i="0" u="none" strike="noStrike" cap="none" normalizeH="0" baseline="0" dirty="0">
               <a:ln>
                 <a:noFill/>
               </a:ln>
@@ -20506,7 +21123,7 @@
           <p:nvPr/>
         </p:nvPicPr>
         <p:blipFill>
-          <a:blip r:embed="rId5"/>
+          <a:blip r:embed="rId4"/>
           <a:stretch>
             <a:fillRect/>
           </a:stretch>
@@ -20536,7 +21153,7 @@
           <p:nvPr/>
         </p:nvPicPr>
         <p:blipFill>
-          <a:blip r:embed="rId6"/>
+          <a:blip r:embed="rId5"/>
           <a:stretch>
             <a:fillRect/>
           </a:stretch>
@@ -20566,7 +21183,7 @@
           <p:nvPr/>
         </p:nvPicPr>
         <p:blipFill>
-          <a:blip r:embed="rId7"/>
+          <a:blip r:embed="rId6"/>
           <a:stretch>
             <a:fillRect/>
           </a:stretch>
